--- a/Лятна почивка.pptx
+++ b/Лятна почивка.pptx
@@ -17,6 +17,7 @@
     <p:sldId id="265" r:id="rId11"/>
     <p:sldId id="266" r:id="rId12"/>
     <p:sldId id="267" r:id="rId13"/>
+    <p:sldId id="269" r:id="rId14"/>
   </p:sldIdLst>
   <p:sldSz cx="12192000" cy="6858000"/>
   <p:notesSz cx="6858000" cy="9144000"/>
@@ -115,6 +116,11 @@
       </a:defRPr>
     </a:lvl9pPr>
   </p:defaultTextStyle>
+  <p:extLst>
+    <p:ext uri="{EFAFB233-063F-42B5-8137-9DF3F51BA10A}">
+      <p15:sldGuideLst xmlns:p15="http://schemas.microsoft.com/office/powerpoint/2012/main"/>
+    </p:ext>
+  </p:extLst>
 </p:presentation>
 </file>
 
@@ -3227,6 +3233,165 @@
     <p:extLst>
       <p:ext uri="{BB962C8B-B14F-4D97-AF65-F5344CB8AC3E}">
         <p14:creationId xmlns:p14="http://schemas.microsoft.com/office/powerpoint/2010/main" val="1060151777"/>
+      </p:ext>
+    </p:extLst>
+  </p:cSld>
+  <p:clrMapOvr>
+    <a:masterClrMapping/>
+  </p:clrMapOvr>
+</p:sld>
+</file>
+
+<file path=ppt/slides/slide13.xml><?xml version="1.0" encoding="utf-8"?>
+<p:sld xmlns:a="http://schemas.openxmlformats.org/drawingml/2006/main" xmlns:r="http://schemas.openxmlformats.org/officeDocument/2006/relationships" xmlns:p="http://schemas.openxmlformats.org/presentationml/2006/main">
+  <p:cSld>
+    <p:spTree>
+      <p:nvGrpSpPr>
+        <p:cNvPr id="1" name=""/>
+        <p:cNvGrpSpPr/>
+        <p:nvPr/>
+      </p:nvGrpSpPr>
+      <p:grpSpPr>
+        <a:xfrm>
+          <a:off x="0" y="0"/>
+          <a:ext cx="0" cy="0"/>
+          <a:chOff x="0" y="0"/>
+          <a:chExt cx="0" cy="0"/>
+        </a:xfrm>
+      </p:grpSpPr>
+      <p:sp>
+        <p:nvSpPr>
+          <p:cNvPr id="2" name="Title 1"/>
+          <p:cNvSpPr>
+            <a:spLocks noGrp="1"/>
+          </p:cNvSpPr>
+          <p:nvPr>
+            <p:ph type="title"/>
+          </p:nvPr>
+        </p:nvSpPr>
+        <p:spPr/>
+        <p:txBody>
+          <a:bodyPr/>
+          <a:lstStyle/>
+          <a:p>
+            <a:r>
+              <a:rPr lang="bg-BG" smtClean="0"/>
+              <a:t>Изводи от хи-тестване</a:t>
+            </a:r>
+            <a:endParaRPr lang="en-US" dirty="0"/>
+          </a:p>
+        </p:txBody>
+      </p:sp>
+      <p:sp>
+        <p:nvSpPr>
+          <p:cNvPr id="3" name="Content Placeholder 2"/>
+          <p:cNvSpPr>
+            <a:spLocks noGrp="1"/>
+          </p:cNvSpPr>
+          <p:nvPr>
+            <p:ph idx="1"/>
+          </p:nvPr>
+        </p:nvSpPr>
+        <p:spPr/>
+        <p:txBody>
+          <a:bodyPr/>
+          <a:lstStyle/>
+          <a:p>
+            <a:r>
+              <a:rPr lang="bg-BG" dirty="0" smtClean="0"/>
+              <a:t>Доходите нямат отношение към възрастта (</a:t>
+            </a:r>
+            <a:r>
+              <a:rPr lang="bg-BG" dirty="0"/>
+              <a:t>p-value = 0.6376</a:t>
+            </a:r>
+            <a:r>
+              <a:rPr lang="bg-BG" dirty="0" smtClean="0"/>
+              <a:t>) или предпочитана компания (</a:t>
+            </a:r>
+            <a:r>
+              <a:rPr lang="bg-BG" dirty="0"/>
+              <a:t>p-value = 0.3603</a:t>
+            </a:r>
+            <a:r>
+              <a:rPr lang="bg-BG" dirty="0" smtClean="0"/>
+              <a:t>)</a:t>
+            </a:r>
+          </a:p>
+          <a:p>
+            <a:r>
+              <a:rPr lang="bg-BG" dirty="0" smtClean="0"/>
+              <a:t>Тези, които предпочитат дълга почивка, носят повече багаж </a:t>
+            </a:r>
+            <a:br>
+              <a:rPr lang="bg-BG" dirty="0" smtClean="0"/>
+            </a:br>
+            <a:r>
+              <a:rPr lang="bg-BG" dirty="0" smtClean="0"/>
+              <a:t>(</a:t>
+            </a:r>
+            <a:r>
+              <a:rPr lang="bg-BG" dirty="0"/>
+              <a:t>p-value = 0.05162</a:t>
+            </a:r>
+            <a:r>
+              <a:rPr lang="bg-BG" dirty="0" smtClean="0"/>
+              <a:t>).</a:t>
+            </a:r>
+          </a:p>
+          <a:p>
+            <a:r>
+              <a:rPr lang="bg-BG" dirty="0"/>
+              <a:t>Жените предпочитат да носят повече багаж от </a:t>
+            </a:r>
+            <a:r>
+              <a:rPr lang="bg-BG" dirty="0" smtClean="0"/>
+              <a:t>мъжете </a:t>
+            </a:r>
+            <a:br>
+              <a:rPr lang="bg-BG" dirty="0" smtClean="0"/>
+            </a:br>
+            <a:r>
+              <a:rPr lang="bg-BG" dirty="0" smtClean="0"/>
+              <a:t>(</a:t>
+            </a:r>
+            <a:r>
+              <a:rPr lang="bg-BG" dirty="0"/>
+              <a:t>p-value </a:t>
+            </a:r>
+            <a:r>
+              <a:rPr lang="bg-BG" dirty="0" smtClean="0"/>
+              <a:t>= 0.002257)</a:t>
+            </a:r>
+          </a:p>
+          <a:p>
+            <a:r>
+              <a:rPr lang="bg-BG" dirty="0" smtClean="0"/>
+              <a:t>Полът няма отношение към предпочитания транспорт </a:t>
+            </a:r>
+            <a:br>
+              <a:rPr lang="bg-BG" dirty="0" smtClean="0"/>
+            </a:br>
+            <a:r>
+              <a:rPr lang="bg-BG" dirty="0" smtClean="0"/>
+              <a:t>(</a:t>
+            </a:r>
+            <a:r>
+              <a:rPr lang="en-US" dirty="0"/>
+              <a:t>p-value = 0. 1655</a:t>
+            </a:r>
+            <a:r>
+              <a:rPr lang="bg-BG" dirty="0" smtClean="0"/>
+              <a:t>)</a:t>
+            </a:r>
+            <a:endParaRPr lang="en-US" dirty="0"/>
+          </a:p>
+        </p:txBody>
+      </p:sp>
+    </p:spTree>
+    <p:extLst>
+      <p:ext uri="{BB962C8B-B14F-4D97-AF65-F5344CB8AC3E}">
+        <p14:creationId xmlns:p14="http://schemas.microsoft.com/office/powerpoint/2010/main" val="686958871"/>
       </p:ext>
     </p:extLst>
   </p:cSld>

--- a/Лятна почивка.pptx
+++ b/Лятна почивка.pptx
@@ -255,7 +255,7 @@
           <a:p>
             <a:fld id="{6E936EF6-BF30-429C-A441-C377F1C3A04C}" type="datetimeFigureOut">
               <a:rPr lang="en-US" smtClean="0"/>
-              <a:t>1/22/2016</a:t>
+              <a:t>1/24/2016</a:t>
             </a:fld>
             <a:endParaRPr lang="en-US"/>
           </a:p>
@@ -425,7 +425,7 @@
           <a:p>
             <a:fld id="{6E936EF6-BF30-429C-A441-C377F1C3A04C}" type="datetimeFigureOut">
               <a:rPr lang="en-US" smtClean="0"/>
-              <a:t>1/22/2016</a:t>
+              <a:t>1/24/2016</a:t>
             </a:fld>
             <a:endParaRPr lang="en-US"/>
           </a:p>
@@ -605,7 +605,7 @@
           <a:p>
             <a:fld id="{6E936EF6-BF30-429C-A441-C377F1C3A04C}" type="datetimeFigureOut">
               <a:rPr lang="en-US" smtClean="0"/>
-              <a:t>1/22/2016</a:t>
+              <a:t>1/24/2016</a:t>
             </a:fld>
             <a:endParaRPr lang="en-US"/>
           </a:p>
@@ -775,7 +775,7 @@
           <a:p>
             <a:fld id="{6E936EF6-BF30-429C-A441-C377F1C3A04C}" type="datetimeFigureOut">
               <a:rPr lang="en-US" smtClean="0"/>
-              <a:t>1/22/2016</a:t>
+              <a:t>1/24/2016</a:t>
             </a:fld>
             <a:endParaRPr lang="en-US"/>
           </a:p>
@@ -1021,7 +1021,7 @@
           <a:p>
             <a:fld id="{6E936EF6-BF30-429C-A441-C377F1C3A04C}" type="datetimeFigureOut">
               <a:rPr lang="en-US" smtClean="0"/>
-              <a:t>1/22/2016</a:t>
+              <a:t>1/24/2016</a:t>
             </a:fld>
             <a:endParaRPr lang="en-US"/>
           </a:p>
@@ -1253,7 +1253,7 @@
           <a:p>
             <a:fld id="{6E936EF6-BF30-429C-A441-C377F1C3A04C}" type="datetimeFigureOut">
               <a:rPr lang="en-US" smtClean="0"/>
-              <a:t>1/22/2016</a:t>
+              <a:t>1/24/2016</a:t>
             </a:fld>
             <a:endParaRPr lang="en-US"/>
           </a:p>
@@ -1620,7 +1620,7 @@
           <a:p>
             <a:fld id="{6E936EF6-BF30-429C-A441-C377F1C3A04C}" type="datetimeFigureOut">
               <a:rPr lang="en-US" smtClean="0"/>
-              <a:t>1/22/2016</a:t>
+              <a:t>1/24/2016</a:t>
             </a:fld>
             <a:endParaRPr lang="en-US"/>
           </a:p>
@@ -1738,7 +1738,7 @@
           <a:p>
             <a:fld id="{6E936EF6-BF30-429C-A441-C377F1C3A04C}" type="datetimeFigureOut">
               <a:rPr lang="en-US" smtClean="0"/>
-              <a:t>1/22/2016</a:t>
+              <a:t>1/24/2016</a:t>
             </a:fld>
             <a:endParaRPr lang="en-US"/>
           </a:p>
@@ -1833,7 +1833,7 @@
           <a:p>
             <a:fld id="{6E936EF6-BF30-429C-A441-C377F1C3A04C}" type="datetimeFigureOut">
               <a:rPr lang="en-US" smtClean="0"/>
-              <a:t>1/22/2016</a:t>
+              <a:t>1/24/2016</a:t>
             </a:fld>
             <a:endParaRPr lang="en-US"/>
           </a:p>
@@ -2110,7 +2110,7 @@
           <a:p>
             <a:fld id="{6E936EF6-BF30-429C-A441-C377F1C3A04C}" type="datetimeFigureOut">
               <a:rPr lang="en-US" smtClean="0"/>
-              <a:t>1/22/2016</a:t>
+              <a:t>1/24/2016</a:t>
             </a:fld>
             <a:endParaRPr lang="en-US"/>
           </a:p>
@@ -2363,7 +2363,7 @@
           <a:p>
             <a:fld id="{6E936EF6-BF30-429C-A441-C377F1C3A04C}" type="datetimeFigureOut">
               <a:rPr lang="en-US" smtClean="0"/>
-              <a:t>1/22/2016</a:t>
+              <a:t>1/24/2016</a:t>
             </a:fld>
             <a:endParaRPr lang="en-US"/>
           </a:p>
@@ -2576,7 +2576,7 @@
           <a:p>
             <a:fld id="{6E936EF6-BF30-429C-A441-C377F1C3A04C}" type="datetimeFigureOut">
               <a:rPr lang="en-US" smtClean="0"/>
-              <a:t>1/22/2016</a:t>
+              <a:t>1/24/2016</a:t>
             </a:fld>
             <a:endParaRPr lang="en-US"/>
           </a:p>
@@ -3688,8 +3688,10 @@
       </p:grpSpPr>
       <p:pic>
         <p:nvPicPr>
-          <p:cNvPr id="2" name="Picture 1"/>
-          <p:cNvPicPr/>
+          <p:cNvPr id="3" name="Picture 2"/>
+          <p:cNvPicPr>
+            <a:picLocks noChangeAspect="1"/>
+          </p:cNvPicPr>
           <p:nvPr/>
         </p:nvPicPr>
         <p:blipFill>
@@ -3700,8 +3702,8 @@
         </p:blipFill>
         <p:spPr>
           <a:xfrm>
-            <a:off x="3109595" y="674687"/>
-            <a:ext cx="5972810" cy="5508625"/>
+            <a:off x="2662666" y="262333"/>
+            <a:ext cx="6866667" cy="6333333"/>
           </a:xfrm>
           <a:prstGeom prst="rect">
             <a:avLst/>
@@ -3844,7 +3846,7 @@
       </p:grpSpPr>
       <p:pic>
         <p:nvPicPr>
-          <p:cNvPr id="2" name="Picture 1"/>
+          <p:cNvPr id="3" name="Picture 2"/>
           <p:cNvPicPr/>
           <p:nvPr/>
         </p:nvPicPr>

--- a/Лятна почивка.pptx
+++ b/Лятна почивка.pptx
@@ -255,7 +255,7 @@
           <a:p>
             <a:fld id="{6E936EF6-BF30-429C-A441-C377F1C3A04C}" type="datetimeFigureOut">
               <a:rPr lang="en-US" smtClean="0"/>
-              <a:t>1/24/2016</a:t>
+              <a:t>1/27/2016</a:t>
             </a:fld>
             <a:endParaRPr lang="en-US"/>
           </a:p>
@@ -425,7 +425,7 @@
           <a:p>
             <a:fld id="{6E936EF6-BF30-429C-A441-C377F1C3A04C}" type="datetimeFigureOut">
               <a:rPr lang="en-US" smtClean="0"/>
-              <a:t>1/24/2016</a:t>
+              <a:t>1/27/2016</a:t>
             </a:fld>
             <a:endParaRPr lang="en-US"/>
           </a:p>
@@ -605,7 +605,7 @@
           <a:p>
             <a:fld id="{6E936EF6-BF30-429C-A441-C377F1C3A04C}" type="datetimeFigureOut">
               <a:rPr lang="en-US" smtClean="0"/>
-              <a:t>1/24/2016</a:t>
+              <a:t>1/27/2016</a:t>
             </a:fld>
             <a:endParaRPr lang="en-US"/>
           </a:p>
@@ -775,7 +775,7 @@
           <a:p>
             <a:fld id="{6E936EF6-BF30-429C-A441-C377F1C3A04C}" type="datetimeFigureOut">
               <a:rPr lang="en-US" smtClean="0"/>
-              <a:t>1/24/2016</a:t>
+              <a:t>1/27/2016</a:t>
             </a:fld>
             <a:endParaRPr lang="en-US"/>
           </a:p>
@@ -1021,7 +1021,7 @@
           <a:p>
             <a:fld id="{6E936EF6-BF30-429C-A441-C377F1C3A04C}" type="datetimeFigureOut">
               <a:rPr lang="en-US" smtClean="0"/>
-              <a:t>1/24/2016</a:t>
+              <a:t>1/27/2016</a:t>
             </a:fld>
             <a:endParaRPr lang="en-US"/>
           </a:p>
@@ -1253,7 +1253,7 @@
           <a:p>
             <a:fld id="{6E936EF6-BF30-429C-A441-C377F1C3A04C}" type="datetimeFigureOut">
               <a:rPr lang="en-US" smtClean="0"/>
-              <a:t>1/24/2016</a:t>
+              <a:t>1/27/2016</a:t>
             </a:fld>
             <a:endParaRPr lang="en-US"/>
           </a:p>
@@ -1620,7 +1620,7 @@
           <a:p>
             <a:fld id="{6E936EF6-BF30-429C-A441-C377F1C3A04C}" type="datetimeFigureOut">
               <a:rPr lang="en-US" smtClean="0"/>
-              <a:t>1/24/2016</a:t>
+              <a:t>1/27/2016</a:t>
             </a:fld>
             <a:endParaRPr lang="en-US"/>
           </a:p>
@@ -1738,7 +1738,7 @@
           <a:p>
             <a:fld id="{6E936EF6-BF30-429C-A441-C377F1C3A04C}" type="datetimeFigureOut">
               <a:rPr lang="en-US" smtClean="0"/>
-              <a:t>1/24/2016</a:t>
+              <a:t>1/27/2016</a:t>
             </a:fld>
             <a:endParaRPr lang="en-US"/>
           </a:p>
@@ -1833,7 +1833,7 @@
           <a:p>
             <a:fld id="{6E936EF6-BF30-429C-A441-C377F1C3A04C}" type="datetimeFigureOut">
               <a:rPr lang="en-US" smtClean="0"/>
-              <a:t>1/24/2016</a:t>
+              <a:t>1/27/2016</a:t>
             </a:fld>
             <a:endParaRPr lang="en-US"/>
           </a:p>
@@ -2110,7 +2110,7 @@
           <a:p>
             <a:fld id="{6E936EF6-BF30-429C-A441-C377F1C3A04C}" type="datetimeFigureOut">
               <a:rPr lang="en-US" smtClean="0"/>
-              <a:t>1/24/2016</a:t>
+              <a:t>1/27/2016</a:t>
             </a:fld>
             <a:endParaRPr lang="en-US"/>
           </a:p>
@@ -2363,7 +2363,7 @@
           <a:p>
             <a:fld id="{6E936EF6-BF30-429C-A441-C377F1C3A04C}" type="datetimeFigureOut">
               <a:rPr lang="en-US" smtClean="0"/>
-              <a:t>1/24/2016</a:t>
+              <a:t>1/27/2016</a:t>
             </a:fld>
             <a:endParaRPr lang="en-US"/>
           </a:p>
@@ -2576,7 +2576,7 @@
           <a:p>
             <a:fld id="{6E936EF6-BF30-429C-A441-C377F1C3A04C}" type="datetimeFigureOut">
               <a:rPr lang="en-US" smtClean="0"/>
-              <a:t>1/24/2016</a:t>
+              <a:t>1/27/2016</a:t>
             </a:fld>
             <a:endParaRPr lang="en-US"/>
           </a:p>
@@ -3303,11 +3303,23 @@
             </a:r>
             <a:r>
               <a:rPr lang="bg-BG" dirty="0"/>
-              <a:t>p-value = 0.6376</a:t>
+              <a:t>p-value = </a:t>
             </a:r>
             <a:r>
               <a:rPr lang="bg-BG" dirty="0" smtClean="0"/>
-              <a:t>) или предпочитана компания (</a:t>
+              <a:t>0.</a:t>
+            </a:r>
+            <a:r>
+              <a:rPr lang="en-US" dirty="0" smtClean="0"/>
+              <a:t>5963</a:t>
+            </a:r>
+            <a:r>
+              <a:rPr lang="bg-BG" dirty="0" smtClean="0"/>
+              <a:t>) </a:t>
+            </a:r>
+            <a:r>
+              <a:rPr lang="bg-BG" dirty="0" smtClean="0"/>
+              <a:t>или предпочитана компания (</a:t>
             </a:r>
             <a:r>
               <a:rPr lang="bg-BG" dirty="0"/>
@@ -3320,29 +3332,19 @@
           </a:p>
           <a:p>
             <a:r>
+              <a:rPr lang="bg-BG" dirty="0"/>
+              <a:t>Изненадващо, тези които желаят по-дълга почивка, нямат предпочитание да носят със себе си повече багаж (p-value = 0.4627)</a:t>
+            </a:r>
+            <a:endParaRPr lang="en-US"/>
+          </a:p>
+          <a:p>
+            <a:r>
               <a:rPr lang="bg-BG" dirty="0" smtClean="0"/>
-              <a:t>Тези, които предпочитат дълга почивка, носят повече багаж </a:t>
-            </a:r>
-            <a:br>
-              <a:rPr lang="bg-BG" dirty="0" smtClean="0"/>
-            </a:br>
-            <a:r>
-              <a:rPr lang="bg-BG" dirty="0" smtClean="0"/>
-              <a:t>(</a:t>
+              <a:t>Жените </a:t>
             </a:r>
             <a:r>
               <a:rPr lang="bg-BG" dirty="0"/>
-              <a:t>p-value = 0.05162</a:t>
-            </a:r>
-            <a:r>
-              <a:rPr lang="bg-BG" dirty="0" smtClean="0"/>
-              <a:t>).</a:t>
-            </a:r>
-          </a:p>
-          <a:p>
-            <a:r>
-              <a:rPr lang="bg-BG" dirty="0"/>
-              <a:t>Жените предпочитат да носят повече багаж от </a:t>
+              <a:t>предпочитат да носят повече багаж от </a:t>
             </a:r>
             <a:r>
               <a:rPr lang="bg-BG" dirty="0" smtClean="0"/>
